--- a/Project_2_Kings_County.pptx
+++ b/Project_2_Kings_County.pptx
@@ -213,7 +213,7 @@
           <a:p>
             <a:fld id="{061C5132-FFA3-4B02-9F09-22FCF40EFA74}" type="datetimeFigureOut">
               <a:rPr lang="en-US" smtClean="0"/>
-              <a:t>12/1/23</a:t>
+              <a:t>12/3/23</a:t>
             </a:fld>
             <a:endParaRPr lang="en-US"/>
           </a:p>
@@ -378,7 +378,7 @@
           <a:p>
             <a:fld id="{0B6E42C9-243F-4DC5-AFF6-9D56B5FA9D63}" type="datetimeFigureOut">
               <a:rPr lang="en-US" smtClean="0"/>
-              <a:t>12/1/23</a:t>
+              <a:t>12/3/23</a:t>
             </a:fld>
             <a:endParaRPr lang="en-US"/>
           </a:p>
@@ -1230,7 +1230,7 @@
           <a:p>
             <a:fld id="{83284890-85D2-4D7B-8EF5-15A9C1DB8F42}" type="datetimeFigureOut">
               <a:rPr lang="en-US" smtClean="0"/>
-              <a:t>12/1/23</a:t>
+              <a:t>12/3/23</a:t>
             </a:fld>
             <a:endParaRPr lang="en-US"/>
           </a:p>
@@ -1422,7 +1422,7 @@
           <a:p>
             <a:fld id="{B0FE2824-C2A0-4931-BB32-60B24BDBB3CC}" type="datetimeFigureOut">
               <a:rPr lang="en-US" smtClean="0"/>
-              <a:t>12/1/23</a:t>
+              <a:t>12/3/23</a:t>
             </a:fld>
             <a:endParaRPr lang="en-US"/>
           </a:p>
@@ -1614,7 +1614,7 @@
           <a:p>
             <a:fld id="{B0FE2824-C2A0-4931-BB32-60B24BDBB3CC}" type="datetimeFigureOut">
               <a:rPr lang="en-US" smtClean="0"/>
-              <a:t>12/1/23</a:t>
+              <a:t>12/3/23</a:t>
             </a:fld>
             <a:endParaRPr lang="en-US"/>
           </a:p>
@@ -1796,7 +1796,7 @@
           <a:p>
             <a:fld id="{B0FE2824-C2A0-4931-BB32-60B24BDBB3CC}" type="datetimeFigureOut">
               <a:rPr lang="en-US" smtClean="0"/>
-              <a:t>12/1/23</a:t>
+              <a:t>12/3/23</a:t>
             </a:fld>
             <a:endParaRPr lang="en-US"/>
           </a:p>
@@ -2129,7 +2129,7 @@
           <a:p>
             <a:fld id="{C6F822A4-8DA6-4447-9B1F-C5DB58435268}" type="datetimeFigureOut">
               <a:rPr lang="en-US" smtClean="0"/>
-              <a:t>12/1/23</a:t>
+              <a:t>12/3/23</a:t>
             </a:fld>
             <a:endParaRPr lang="en-US" dirty="0"/>
           </a:p>
@@ -2602,7 +2602,7 @@
           <a:p>
             <a:fld id="{B0FE2824-C2A0-4931-BB32-60B24BDBB3CC}" type="datetimeFigureOut">
               <a:rPr lang="en-US" smtClean="0"/>
-              <a:t>12/1/23</a:t>
+              <a:t>12/3/23</a:t>
             </a:fld>
             <a:endParaRPr lang="en-US"/>
           </a:p>
@@ -3025,7 +3025,7 @@
           <a:p>
             <a:fld id="{B0FE2824-C2A0-4931-BB32-60B24BDBB3CC}" type="datetimeFigureOut">
               <a:rPr lang="en-US" smtClean="0"/>
-              <a:t>12/1/23</a:t>
+              <a:t>12/3/23</a:t>
             </a:fld>
             <a:endParaRPr lang="en-US"/>
           </a:p>
@@ -3155,7 +3155,7 @@
           <a:p>
             <a:fld id="{B0FE2824-C2A0-4931-BB32-60B24BDBB3CC}" type="datetimeFigureOut">
               <a:rPr lang="en-US" smtClean="0"/>
-              <a:t>12/1/23</a:t>
+              <a:t>12/3/23</a:t>
             </a:fld>
             <a:endParaRPr lang="en-US"/>
           </a:p>
@@ -3285,7 +3285,7 @@
           <a:p>
             <a:fld id="{B0FE2824-C2A0-4931-BB32-60B24BDBB3CC}" type="datetimeFigureOut">
               <a:rPr lang="en-US" smtClean="0"/>
-              <a:t>12/1/23</a:t>
+              <a:t>12/3/23</a:t>
             </a:fld>
             <a:endParaRPr lang="en-US"/>
           </a:p>
@@ -3655,7 +3655,7 @@
           <a:p>
             <a:fld id="{B0FE2824-C2A0-4931-BB32-60B24BDBB3CC}" type="datetimeFigureOut">
               <a:rPr lang="en-US" smtClean="0"/>
-              <a:t>12/1/23</a:t>
+              <a:t>12/3/23</a:t>
             </a:fld>
             <a:endParaRPr lang="en-US"/>
           </a:p>
@@ -4174,7 +4174,7 @@
           <a:p>
             <a:fld id="{B0FE2824-C2A0-4931-BB32-60B24BDBB3CC}" type="datetimeFigureOut">
               <a:rPr lang="en-US" smtClean="0"/>
-              <a:t>12/1/23</a:t>
+              <a:t>12/3/23</a:t>
             </a:fld>
             <a:endParaRPr lang="en-US"/>
           </a:p>
@@ -4542,7 +4542,7 @@
             <a:fld id="{B0FE2824-C2A0-4931-BB32-60B24BDBB3CC}" type="datetimeFigureOut">
               <a:rPr lang="en-US" smtClean="0"/>
               <a:pPr/>
-              <a:t>12/1/23</a:t>
+              <a:t>12/3/23</a:t>
             </a:fld>
             <a:endParaRPr lang="en-US"/>
           </a:p>
@@ -6945,7 +6945,7 @@
         </p:blipFill>
         <p:spPr>
           <a:xfrm>
-            <a:off x="-1" y="10"/>
+            <a:off x="0" y="10"/>
             <a:ext cx="12191999" cy="6857990"/>
           </a:xfrm>
           <a:prstGeom prst="rect">
@@ -6966,25 +6966,48 @@
         </p:nvSpPr>
         <p:spPr>
           <a:xfrm>
-            <a:off x="191344" y="3981573"/>
-            <a:ext cx="4543683" cy="1767141"/>
+            <a:off x="983432" y="839244"/>
+            <a:ext cx="3168352" cy="288032"/>
           </a:xfrm>
         </p:spPr>
         <p:txBody>
           <a:bodyPr vert="horz" lIns="91440" tIns="45720" rIns="91440" bIns="45720" rtlCol="0" anchor="ctr">
-            <a:normAutofit/>
+            <a:normAutofit fontScale="90000"/>
           </a:bodyPr>
           <a:lstStyle/>
           <a:p>
             <a:pPr algn="r"/>
             <a:r>
-              <a:rPr lang="en-US" sz="5400" dirty="0"/>
+              <a:rPr lang="en-US" sz="5400" dirty="0">
+                <a:ln>
+                  <a:solidFill>
+                    <a:schemeClr val="bg1"/>
+                  </a:solidFill>
+                </a:ln>
+                <a:solidFill>
+                  <a:schemeClr val="bg1">
+                    <a:lumMod val="95000"/>
+                  </a:schemeClr>
+                </a:solidFill>
+              </a:rPr>
               <a:t>Summary</a:t>
             </a:r>
             <a:br>
-              <a:rPr lang="en-US" sz="5400" dirty="0"/>
+              <a:rPr lang="en-US" sz="5400" dirty="0">
+                <a:solidFill>
+                  <a:schemeClr val="bg1">
+                    <a:lumMod val="95000"/>
+                  </a:schemeClr>
+                </a:solidFill>
+              </a:rPr>
             </a:br>
-            <a:endParaRPr lang="en-US" sz="5400" dirty="0"/>
+            <a:endParaRPr lang="en-US" sz="5400" dirty="0">
+              <a:solidFill>
+                <a:schemeClr val="bg1">
+                  <a:lumMod val="95000"/>
+                </a:schemeClr>
+              </a:solidFill>
+            </a:endParaRPr>
           </a:p>
         </p:txBody>
       </p:sp>
@@ -7000,13 +7023,13 @@
         </p:nvSpPr>
         <p:spPr>
           <a:xfrm>
-            <a:off x="4926372" y="4170410"/>
-            <a:ext cx="5990770" cy="1767141"/>
+            <a:off x="5015880" y="155473"/>
+            <a:ext cx="6854866" cy="1362477"/>
           </a:xfrm>
         </p:spPr>
         <p:txBody>
           <a:bodyPr vert="horz" lIns="91440" tIns="45720" rIns="91440" bIns="45720" rtlCol="0" anchor="ctr">
-            <a:normAutofit/>
+            <a:normAutofit lnSpcReduction="10000"/>
           </a:bodyPr>
           <a:lstStyle/>
           <a:p>
@@ -7018,7 +7041,7 @@
             <a:r>
               <a:rPr lang="en-US" sz="1600" dirty="0">
                 <a:solidFill>
-                  <a:schemeClr val="tx1"/>
+                  <a:schemeClr val="bg1"/>
                 </a:solidFill>
               </a:rPr>
               <a:t>Applying linear regression analysis to the King County Sales Record dataset unveils essential findings </a:t>
@@ -7035,10 +7058,39 @@
             <a:r>
               <a:rPr lang="en-US" sz="1600" dirty="0">
                 <a:solidFill>
-                  <a:schemeClr val="tx1"/>
+                  <a:schemeClr val="bg1"/>
                 </a:solidFill>
               </a:rPr>
-              <a:t>Identifying crucial renovations for boosting property market value</a:t>
+              <a:t>Identifying crucial </a:t>
+            </a:r>
+            <a:r>
+              <a:rPr lang="en-US" sz="1600" b="1" dirty="0">
+                <a:ln w="10160">
+                  <a:solidFill>
+                    <a:schemeClr val="accent5"/>
+                  </a:solidFill>
+                  <a:prstDash val="solid"/>
+                </a:ln>
+                <a:solidFill>
+                  <a:schemeClr val="bg1"/>
+                </a:solidFill>
+                <a:effectLst>
+                  <a:outerShdw blurRad="38100" dist="22860" dir="5400000" algn="tl" rotWithShape="0">
+                    <a:srgbClr val="000000">
+                      <a:alpha val="30000"/>
+                    </a:srgbClr>
+                  </a:outerShdw>
+                </a:effectLst>
+              </a:rPr>
+              <a:t>renovations</a:t>
+            </a:r>
+            <a:r>
+              <a:rPr lang="en-US" sz="1600" dirty="0">
+                <a:solidFill>
+                  <a:schemeClr val="bg1"/>
+                </a:solidFill>
+              </a:rPr>
+              <a:t> for boosting property market value</a:t>
             </a:r>
           </a:p>
           <a:p>
@@ -7052,7 +7104,7 @@
             <a:r>
               <a:rPr lang="en-US" sz="1600" dirty="0">
                 <a:solidFill>
-                  <a:schemeClr val="tx1"/>
+                  <a:schemeClr val="bg1"/>
                 </a:solidFill>
               </a:rPr>
               <a:t>Predicting the anticipated increase in market value following renovations</a:t>
